--- a/documentation/softdev/Support and Command Center.pptx
+++ b/documentation/softdev/Support and Command Center.pptx
@@ -6,15 +6,14 @@
   </p:sldMasterIdLst>
   <p:sldIdLst>
     <p:sldId id="256" r:id="rId2"/>
-    <p:sldId id="265" r:id="rId3"/>
-    <p:sldId id="258" r:id="rId4"/>
-    <p:sldId id="257" r:id="rId5"/>
-    <p:sldId id="262" r:id="rId6"/>
-    <p:sldId id="263" r:id="rId7"/>
-    <p:sldId id="264" r:id="rId8"/>
-    <p:sldId id="259" r:id="rId9"/>
-    <p:sldId id="260" r:id="rId10"/>
-    <p:sldId id="261" r:id="rId11"/>
+    <p:sldId id="258" r:id="rId3"/>
+    <p:sldId id="257" r:id="rId4"/>
+    <p:sldId id="262" r:id="rId5"/>
+    <p:sldId id="263" r:id="rId6"/>
+    <p:sldId id="264" r:id="rId7"/>
+    <p:sldId id="259" r:id="rId8"/>
+    <p:sldId id="260" r:id="rId9"/>
+    <p:sldId id="261" r:id="rId10"/>
   </p:sldIdLst>
   <p:sldSz cx="12192000" cy="6858000"/>
   <p:notesSz cx="6858000" cy="9144000"/>
@@ -624,7 +623,7 @@
             <a:fld id="{B61BEF0D-F0BB-DE4B-95CE-6DB70DBA9567}" type="datetimeFigureOut">
               <a:rPr lang="en-US" dirty="0"/>
               <a:pPr/>
-              <a:t>4/6/2016</a:t>
+              <a:t>4/22/2016</a:t>
             </a:fld>
             <a:endParaRPr lang="en-US" dirty="0"/>
           </a:p>
@@ -917,7 +916,7 @@
             <a:fld id="{B61BEF0D-F0BB-DE4B-95CE-6DB70DBA9567}" type="datetimeFigureOut">
               <a:rPr lang="en-US" dirty="0"/>
               <a:pPr/>
-              <a:t>4/6/2016</a:t>
+              <a:t>4/22/2016</a:t>
             </a:fld>
             <a:endParaRPr lang="en-US" dirty="0"/>
           </a:p>
@@ -1162,7 +1161,7 @@
             <a:fld id="{B61BEF0D-F0BB-DE4B-95CE-6DB70DBA9567}" type="datetimeFigureOut">
               <a:rPr lang="en-US" dirty="0"/>
               <a:pPr/>
-              <a:t>4/6/2016</a:t>
+              <a:t>4/22/2016</a:t>
             </a:fld>
             <a:endParaRPr lang="en-US" dirty="0"/>
           </a:p>
@@ -1699,7 +1698,7 @@
             <a:fld id="{B61BEF0D-F0BB-DE4B-95CE-6DB70DBA9567}" type="datetimeFigureOut">
               <a:rPr lang="en-US" dirty="0"/>
               <a:pPr/>
-              <a:t>4/6/2016</a:t>
+              <a:t>4/22/2016</a:t>
             </a:fld>
             <a:endParaRPr lang="en-US" dirty="0"/>
           </a:p>
@@ -1944,7 +1943,7 @@
             <a:fld id="{B61BEF0D-F0BB-DE4B-95CE-6DB70DBA9567}" type="datetimeFigureOut">
               <a:rPr lang="en-US" dirty="0"/>
               <a:pPr/>
-              <a:t>4/6/2016</a:t>
+              <a:t>4/22/2016</a:t>
             </a:fld>
             <a:endParaRPr lang="en-US" dirty="0"/>
           </a:p>
@@ -2473,7 +2472,7 @@
             <a:fld id="{B61BEF0D-F0BB-DE4B-95CE-6DB70DBA9567}" type="datetimeFigureOut">
               <a:rPr lang="en-US" dirty="0"/>
               <a:pPr/>
-              <a:t>4/6/2016</a:t>
+              <a:t>4/22/2016</a:t>
             </a:fld>
             <a:endParaRPr lang="en-US" dirty="0"/>
           </a:p>
@@ -2767,7 +2766,7 @@
             <a:fld id="{B61BEF0D-F0BB-DE4B-95CE-6DB70DBA9567}" type="datetimeFigureOut">
               <a:rPr lang="en-US" dirty="0"/>
               <a:pPr/>
-              <a:t>4/6/2016</a:t>
+              <a:t>4/22/2016</a:t>
             </a:fld>
             <a:endParaRPr lang="en-US" dirty="0"/>
           </a:p>
@@ -2938,7 +2937,7 @@
             <a:fld id="{B61BEF0D-F0BB-DE4B-95CE-6DB70DBA9567}" type="datetimeFigureOut">
               <a:rPr lang="en-US" dirty="0"/>
               <a:pPr/>
-              <a:t>4/6/2016</a:t>
+              <a:t>4/22/2016</a:t>
             </a:fld>
             <a:endParaRPr lang="en-US" dirty="0"/>
           </a:p>
@@ -3115,7 +3114,7 @@
             <a:fld id="{B61BEF0D-F0BB-DE4B-95CE-6DB70DBA9567}" type="datetimeFigureOut">
               <a:rPr lang="en-US" dirty="0"/>
               <a:pPr/>
-              <a:t>4/6/2016</a:t>
+              <a:t>4/22/2016</a:t>
             </a:fld>
             <a:endParaRPr lang="en-US" dirty="0"/>
           </a:p>
@@ -3282,7 +3281,7 @@
             <a:fld id="{B61BEF0D-F0BB-DE4B-95CE-6DB70DBA9567}" type="datetimeFigureOut">
               <a:rPr lang="en-US" dirty="0"/>
               <a:pPr/>
-              <a:t>4/6/2016</a:t>
+              <a:t>4/22/2016</a:t>
             </a:fld>
             <a:endParaRPr lang="en-US" dirty="0"/>
           </a:p>
@@ -3530,7 +3529,7 @@
             <a:fld id="{B61BEF0D-F0BB-DE4B-95CE-6DB70DBA9567}" type="datetimeFigureOut">
               <a:rPr lang="en-US" dirty="0"/>
               <a:pPr/>
-              <a:t>4/6/2016</a:t>
+              <a:t>4/22/2016</a:t>
             </a:fld>
             <a:endParaRPr lang="en-US" dirty="0"/>
           </a:p>
@@ -3824,7 +3823,7 @@
             <a:fld id="{B61BEF0D-F0BB-DE4B-95CE-6DB70DBA9567}" type="datetimeFigureOut">
               <a:rPr lang="en-US" dirty="0"/>
               <a:pPr/>
-              <a:t>4/6/2016</a:t>
+              <a:t>4/22/2016</a:t>
             </a:fld>
             <a:endParaRPr lang="en-US" dirty="0"/>
           </a:p>
@@ -4263,7 +4262,7 @@
             <a:fld id="{B61BEF0D-F0BB-DE4B-95CE-6DB70DBA9567}" type="datetimeFigureOut">
               <a:rPr lang="en-US" dirty="0"/>
               <a:pPr/>
-              <a:t>4/6/2016</a:t>
+              <a:t>4/22/2016</a:t>
             </a:fld>
             <a:endParaRPr lang="en-US" dirty="0"/>
           </a:p>
@@ -4378,7 +4377,7 @@
             <a:fld id="{B61BEF0D-F0BB-DE4B-95CE-6DB70DBA9567}" type="datetimeFigureOut">
               <a:rPr lang="en-US" dirty="0"/>
               <a:pPr/>
-              <a:t>4/6/2016</a:t>
+              <a:t>4/22/2016</a:t>
             </a:fld>
             <a:endParaRPr lang="en-US" dirty="0"/>
           </a:p>
@@ -4470,7 +4469,7 @@
             <a:fld id="{B61BEF0D-F0BB-DE4B-95CE-6DB70DBA9567}" type="datetimeFigureOut">
               <a:rPr lang="en-US" dirty="0"/>
               <a:pPr/>
-              <a:t>4/6/2016</a:t>
+              <a:t>4/22/2016</a:t>
             </a:fld>
             <a:endParaRPr lang="en-US" dirty="0"/>
           </a:p>
@@ -4750,7 +4749,7 @@
             <a:fld id="{B61BEF0D-F0BB-DE4B-95CE-6DB70DBA9567}" type="datetimeFigureOut">
               <a:rPr lang="en-US" dirty="0"/>
               <a:pPr/>
-              <a:t>4/6/2016</a:t>
+              <a:t>4/22/2016</a:t>
             </a:fld>
             <a:endParaRPr lang="en-US" dirty="0"/>
           </a:p>
@@ -5038,7 +5037,7 @@
             <a:fld id="{B61BEF0D-F0BB-DE4B-95CE-6DB70DBA9567}" type="datetimeFigureOut">
               <a:rPr lang="en-US" dirty="0"/>
               <a:pPr/>
-              <a:t>4/6/2016</a:t>
+              <a:t>4/22/2016</a:t>
             </a:fld>
             <a:endParaRPr lang="en-US" dirty="0"/>
           </a:p>
@@ -5565,7 +5564,7 @@
             <a:fld id="{B61BEF0D-F0BB-DE4B-95CE-6DB70DBA9567}" type="datetimeFigureOut">
               <a:rPr lang="en-US" dirty="0"/>
               <a:pPr/>
-              <a:t>4/6/2016</a:t>
+              <a:t>4/22/2016</a:t>
             </a:fld>
             <a:endParaRPr lang="en-US" dirty="0"/>
           </a:p>
@@ -6201,109 +6200,6 @@
 </p:sld>
 </file>
 
-<file path=ppt/slides/slide10.xml><?xml version="1.0" encoding="utf-8"?>
-<p:sld xmlns:a="http://schemas.openxmlformats.org/drawingml/2006/main" xmlns:r="http://schemas.openxmlformats.org/officeDocument/2006/relationships" xmlns:p="http://schemas.openxmlformats.org/presentationml/2006/main">
-  <p:cSld>
-    <p:spTree>
-      <p:nvGrpSpPr>
-        <p:cNvPr id="1" name=""/>
-        <p:cNvGrpSpPr/>
-        <p:nvPr/>
-      </p:nvGrpSpPr>
-      <p:grpSpPr>
-        <a:xfrm>
-          <a:off x="0" y="0"/>
-          <a:ext cx="0" cy="0"/>
-          <a:chOff x="0" y="0"/>
-          <a:chExt cx="0" cy="0"/>
-        </a:xfrm>
-      </p:grpSpPr>
-      <p:sp>
-        <p:nvSpPr>
-          <p:cNvPr id="2" name="Title 1"/>
-          <p:cNvSpPr>
-            <a:spLocks noGrp="1"/>
-          </p:cNvSpPr>
-          <p:nvPr>
-            <p:ph type="title"/>
-          </p:nvPr>
-        </p:nvSpPr>
-        <p:spPr/>
-        <p:txBody>
-          <a:bodyPr/>
-          <a:lstStyle/>
-          <a:p>
-            <a:r>
-              <a:rPr lang="en-PH" dirty="0" smtClean="0"/>
-              <a:t>Reference</a:t>
-            </a:r>
-            <a:endParaRPr lang="en-PH" dirty="0"/>
-          </a:p>
-        </p:txBody>
-      </p:sp>
-      <p:sp>
-        <p:nvSpPr>
-          <p:cNvPr id="3" name="Content Placeholder 2"/>
-          <p:cNvSpPr>
-            <a:spLocks noGrp="1"/>
-          </p:cNvSpPr>
-          <p:nvPr>
-            <p:ph idx="1"/>
-          </p:nvPr>
-        </p:nvSpPr>
-        <p:spPr/>
-        <p:txBody>
-          <a:bodyPr/>
-          <a:lstStyle/>
-          <a:p>
-            <a:r>
-              <a:rPr lang="en-PH" dirty="0" smtClean="0"/>
-              <a:t>Republic Act 9369</a:t>
-            </a:r>
-          </a:p>
-          <a:p>
-            <a:r>
-              <a:rPr lang="en-PH" dirty="0" err="1" smtClean="0"/>
-              <a:t>Comelec</a:t>
-            </a:r>
-            <a:r>
-              <a:rPr lang="en-PH" dirty="0" smtClean="0"/>
-              <a:t> Resolution no. 8879</a:t>
-            </a:r>
-          </a:p>
-          <a:p>
-            <a:r>
-              <a:rPr lang="en-PH" dirty="0" err="1" smtClean="0"/>
-              <a:t>Comelec</a:t>
-            </a:r>
-            <a:r>
-              <a:rPr lang="en-PH" dirty="0" smtClean="0"/>
-              <a:t> Resolution no. 8900</a:t>
-            </a:r>
-            <a:endParaRPr lang="en-PH" dirty="0"/>
-          </a:p>
-        </p:txBody>
-      </p:sp>
-    </p:spTree>
-    <p:extLst>
-      <p:ext uri="{BB962C8B-B14F-4D97-AF65-F5344CB8AC3E}">
-        <p14:creationId xmlns:p14="http://schemas.microsoft.com/office/powerpoint/2010/main" val="975388134"/>
-      </p:ext>
-    </p:extLst>
-  </p:cSld>
-  <p:clrMapOvr>
-    <a:masterClrMapping/>
-  </p:clrMapOvr>
-  <p:timing>
-    <p:tnLst>
-      <p:par>
-        <p:cTn id="1" dur="indefinite" restart="never" nodeType="tmRoot"/>
-      </p:par>
-    </p:tnLst>
-  </p:timing>
-</p:sld>
-</file>
-
 <file path=ppt/slides/slide2.xml><?xml version="1.0" encoding="utf-8"?>
 <p:sld xmlns:a="http://schemas.openxmlformats.org/drawingml/2006/main" xmlns:r="http://schemas.openxmlformats.org/officeDocument/2006/relationships" xmlns:p="http://schemas.openxmlformats.org/presentationml/2006/main">
   <p:cSld>
@@ -6338,7 +6234,7 @@
           <a:p>
             <a:r>
               <a:rPr lang="en-PH" dirty="0" smtClean="0"/>
-              <a:t>Main Objective</a:t>
+              <a:t>Problem Statement</a:t>
             </a:r>
             <a:endParaRPr lang="en-PH" dirty="0"/>
           </a:p>
@@ -6359,20 +6255,48 @@
           <a:bodyPr/>
           <a:lstStyle/>
           <a:p>
-            <a:endParaRPr lang="en-PH"/>
+            <a:r>
+              <a:rPr lang="en-PH" dirty="0"/>
+              <a:t>Had issues in transmission logs </a:t>
+            </a:r>
+          </a:p>
+          <a:p>
+            <a:r>
+              <a:rPr lang="en-PH" dirty="0"/>
+              <a:t>Unsynchronized timestamp</a:t>
+            </a:r>
+          </a:p>
+          <a:p>
+            <a:r>
+              <a:rPr lang="en-PH" dirty="0"/>
+              <a:t>Does not have logs or reports for transmission issues</a:t>
+            </a:r>
+          </a:p>
+          <a:p>
+            <a:endParaRPr lang="en-US" dirty="0"/>
+          </a:p>
+          <a:p>
+            <a:endParaRPr lang="en-PH" dirty="0"/>
           </a:p>
         </p:txBody>
       </p:sp>
     </p:spTree>
     <p:extLst>
       <p:ext uri="{BB962C8B-B14F-4D97-AF65-F5344CB8AC3E}">
-        <p14:creationId xmlns:p14="http://schemas.microsoft.com/office/powerpoint/2010/main" val="3382219280"/>
+        <p14:creationId xmlns:p14="http://schemas.microsoft.com/office/powerpoint/2010/main" val="2521547708"/>
       </p:ext>
     </p:extLst>
   </p:cSld>
   <p:clrMapOvr>
     <a:masterClrMapping/>
   </p:clrMapOvr>
+  <p:timing>
+    <p:tnLst>
+      <p:par>
+        <p:cTn id="1" dur="indefinite" restart="never" nodeType="tmRoot"/>
+      </p:par>
+    </p:tnLst>
+  </p:timing>
 </p:sld>
 </file>
 
@@ -6410,7 +6334,7 @@
           <a:p>
             <a:r>
               <a:rPr lang="en-PH" dirty="0" smtClean="0"/>
-              <a:t>Problem Statement</a:t>
+              <a:t>Project Overview</a:t>
             </a:r>
             <a:endParaRPr lang="en-PH" dirty="0"/>
           </a:p>
@@ -6428,30 +6352,85 @@
         </p:nvSpPr>
         <p:spPr/>
         <p:txBody>
-          <a:bodyPr/>
+          <a:bodyPr>
+            <a:normAutofit fontScale="92500"/>
+          </a:bodyPr>
           <a:lstStyle/>
           <a:p>
+            <a:pPr marL="0" indent="0">
+              <a:buNone/>
+            </a:pPr>
+            <a:r>
+              <a:rPr lang="en-PH" dirty="0" smtClean="0"/>
+              <a:t>The Support and Command Center (SCC) is a Web-based application that aims to provide </a:t>
+            </a:r>
             <a:r>
               <a:rPr lang="en-PH" dirty="0"/>
-              <a:t>Had issues in transmission logs </a:t>
+              <a:t>a Logging System that will support the support center processes </a:t>
+            </a:r>
+            <a:r>
+              <a:rPr lang="en-PH" dirty="0" smtClean="0"/>
+              <a:t>namely :</a:t>
             </a:r>
           </a:p>
           <a:p>
             <a:r>
               <a:rPr lang="en-PH" dirty="0"/>
-              <a:t>Unsynchronized timestamp</a:t>
-            </a:r>
-          </a:p>
-          <a:p>
+              <a:t>Registration of all BEI and </a:t>
+            </a:r>
+            <a:r>
+              <a:rPr lang="en-PH" dirty="0" smtClean="0"/>
+              <a:t>BOC</a:t>
+            </a:r>
+          </a:p>
+          <a:p>
+            <a:r>
+              <a:rPr lang="en-PH" dirty="0" smtClean="0"/>
+              <a:t>Document </a:t>
+            </a:r>
             <a:r>
               <a:rPr lang="en-PH" dirty="0"/>
-              <a:t>Does not have logs or reports for transmission issues</a:t>
-            </a:r>
-          </a:p>
-          <a:p>
-            <a:endParaRPr lang="en-US" dirty="0"/>
-          </a:p>
-          <a:p>
+              <a:t>and note technical support </a:t>
+            </a:r>
+            <a:r>
+              <a:rPr lang="en-PH" dirty="0" smtClean="0"/>
+              <a:t>calls</a:t>
+            </a:r>
+          </a:p>
+          <a:p>
+            <a:r>
+              <a:rPr lang="en-PH" dirty="0"/>
+              <a:t>T</a:t>
+            </a:r>
+            <a:r>
+              <a:rPr lang="en-PH" dirty="0" smtClean="0"/>
+              <a:t>ransmission </a:t>
+            </a:r>
+            <a:r>
+              <a:rPr lang="en-PH" dirty="0"/>
+              <a:t>confirmation for election returns to the Board of Canvassers</a:t>
+            </a:r>
+            <a:endParaRPr lang="en-PH" dirty="0" smtClean="0"/>
+          </a:p>
+          <a:p>
+            <a:pPr marL="0" indent="0">
+              <a:buNone/>
+            </a:pPr>
+            <a:r>
+              <a:rPr lang="en-PH" dirty="0" smtClean="0"/>
+              <a:t>The said project </a:t>
+            </a:r>
+            <a:r>
+              <a:rPr lang="en-PH" dirty="0"/>
+              <a:t>will serve as an evidence after the election if there will be a protest against the results of the election.</a:t>
+            </a:r>
+            <a:endParaRPr lang="en-PH" dirty="0" smtClean="0"/>
+          </a:p>
+          <a:p>
+            <a:endParaRPr lang="en-PH" dirty="0" smtClean="0"/>
+          </a:p>
+          <a:p>
+            <a:pPr lvl="1"/>
             <a:endParaRPr lang="en-PH" dirty="0"/>
           </a:p>
         </p:txBody>
@@ -6459,7 +6438,7 @@
     </p:spTree>
     <p:extLst>
       <p:ext uri="{BB962C8B-B14F-4D97-AF65-F5344CB8AC3E}">
-        <p14:creationId xmlns:p14="http://schemas.microsoft.com/office/powerpoint/2010/main" val="2521547708"/>
+        <p14:creationId xmlns:p14="http://schemas.microsoft.com/office/powerpoint/2010/main" val="2394276376"/>
       </p:ext>
     </p:extLst>
   </p:cSld>
@@ -6510,7 +6489,7 @@
           <a:p>
             <a:r>
               <a:rPr lang="en-PH" dirty="0" smtClean="0"/>
-              <a:t>Project Overview</a:t>
+              <a:t>Scope and Limitation</a:t>
             </a:r>
             <a:endParaRPr lang="en-PH" dirty="0"/>
           </a:p>
@@ -6528,85 +6507,47 @@
         </p:nvSpPr>
         <p:spPr/>
         <p:txBody>
-          <a:bodyPr>
-            <a:normAutofit fontScale="92500"/>
-          </a:bodyPr>
+          <a:bodyPr/>
           <a:lstStyle/>
           <a:p>
-            <a:pPr marL="0" indent="0">
-              <a:buNone/>
-            </a:pPr>
             <a:r>
               <a:rPr lang="en-PH" dirty="0" smtClean="0"/>
-              <a:t>The Support and Command Center (SCC) is a Web-based application that aims to provide </a:t>
-            </a:r>
-            <a:r>
-              <a:rPr lang="en-PH" dirty="0"/>
-              <a:t>a Logging System that will support the support center processes </a:t>
-            </a:r>
+              <a:t>Will create call documentation using text files</a:t>
+            </a:r>
+          </a:p>
+          <a:p>
             <a:r>
               <a:rPr lang="en-PH" dirty="0" smtClean="0"/>
-              <a:t>namely :</a:t>
-            </a:r>
-          </a:p>
-          <a:p>
-            <a:r>
-              <a:rPr lang="en-PH" dirty="0"/>
-              <a:t>Registration of all BEI and </a:t>
-            </a:r>
+              <a:t>Will be limited to 5 users namely</a:t>
+            </a:r>
+          </a:p>
+          <a:p>
+            <a:pPr lvl="1"/>
             <a:r>
               <a:rPr lang="en-PH" dirty="0" smtClean="0"/>
-              <a:t>BOC</a:t>
-            </a:r>
-          </a:p>
-          <a:p>
+              <a:t>Administrator</a:t>
+            </a:r>
+          </a:p>
+          <a:p>
+            <a:pPr lvl="1"/>
             <a:r>
               <a:rPr lang="en-PH" dirty="0" smtClean="0"/>
-              <a:t>Document </a:t>
-            </a:r>
-            <a:r>
-              <a:rPr lang="en-PH" dirty="0"/>
-              <a:t>and note technical support </a:t>
-            </a:r>
+              <a:t>Registrar</a:t>
+            </a:r>
+          </a:p>
+          <a:p>
+            <a:pPr lvl="1"/>
             <a:r>
               <a:rPr lang="en-PH" dirty="0" smtClean="0"/>
-              <a:t>calls</a:t>
-            </a:r>
-          </a:p>
-          <a:p>
-            <a:r>
-              <a:rPr lang="en-PH" dirty="0"/>
-              <a:t>T</a:t>
-            </a:r>
+              <a:t>Team Leader</a:t>
+            </a:r>
+          </a:p>
+          <a:p>
+            <a:pPr lvl="1"/>
             <a:r>
               <a:rPr lang="en-PH" dirty="0" smtClean="0"/>
-              <a:t>ransmission </a:t>
-            </a:r>
-            <a:r>
-              <a:rPr lang="en-PH" dirty="0"/>
-              <a:t>confirmation for election returns to the Board of Canvassers</a:t>
-            </a:r>
-            <a:endParaRPr lang="en-PH" dirty="0" smtClean="0"/>
-          </a:p>
-          <a:p>
-            <a:pPr marL="0" indent="0">
-              <a:buNone/>
-            </a:pPr>
-            <a:r>
-              <a:rPr lang="en-PH" dirty="0" smtClean="0"/>
-              <a:t>The said project </a:t>
-            </a:r>
-            <a:r>
-              <a:rPr lang="en-PH" dirty="0"/>
-              <a:t>will serve as an evidence after the election if there will be a protest against the results of the election.</a:t>
-            </a:r>
-            <a:endParaRPr lang="en-PH" dirty="0" smtClean="0"/>
-          </a:p>
-          <a:p>
-            <a:endParaRPr lang="en-PH" dirty="0" smtClean="0"/>
-          </a:p>
-          <a:p>
-            <a:pPr lvl="1"/>
+              <a:t>Agent (Call center agent)</a:t>
+            </a:r>
             <a:endParaRPr lang="en-PH" dirty="0"/>
           </a:p>
         </p:txBody>
@@ -6614,7 +6555,7 @@
     </p:spTree>
     <p:extLst>
       <p:ext uri="{BB962C8B-B14F-4D97-AF65-F5344CB8AC3E}">
-        <p14:creationId xmlns:p14="http://schemas.microsoft.com/office/powerpoint/2010/main" val="2394276376"/>
+        <p14:creationId xmlns:p14="http://schemas.microsoft.com/office/powerpoint/2010/main" val="1886483021"/>
       </p:ext>
     </p:extLst>
   </p:cSld>
@@ -6665,123 +6606,6 @@
           <a:p>
             <a:r>
               <a:rPr lang="en-PH" dirty="0" smtClean="0"/>
-              <a:t>Scope and Limitation</a:t>
-            </a:r>
-            <a:endParaRPr lang="en-PH" dirty="0"/>
-          </a:p>
-        </p:txBody>
-      </p:sp>
-      <p:sp>
-        <p:nvSpPr>
-          <p:cNvPr id="3" name="Content Placeholder 2"/>
-          <p:cNvSpPr>
-            <a:spLocks noGrp="1"/>
-          </p:cNvSpPr>
-          <p:nvPr>
-            <p:ph idx="1"/>
-          </p:nvPr>
-        </p:nvSpPr>
-        <p:spPr/>
-        <p:txBody>
-          <a:bodyPr/>
-          <a:lstStyle/>
-          <a:p>
-            <a:r>
-              <a:rPr lang="en-PH" dirty="0" smtClean="0"/>
-              <a:t>Will create call documentation using text files</a:t>
-            </a:r>
-          </a:p>
-          <a:p>
-            <a:r>
-              <a:rPr lang="en-PH" dirty="0" smtClean="0"/>
-              <a:t>Will be limited to 5 users namely</a:t>
-            </a:r>
-          </a:p>
-          <a:p>
-            <a:pPr lvl="1"/>
-            <a:r>
-              <a:rPr lang="en-PH" dirty="0" smtClean="0"/>
-              <a:t>Administrator</a:t>
-            </a:r>
-          </a:p>
-          <a:p>
-            <a:pPr lvl="1"/>
-            <a:r>
-              <a:rPr lang="en-PH" dirty="0" smtClean="0"/>
-              <a:t>Registrar</a:t>
-            </a:r>
-          </a:p>
-          <a:p>
-            <a:pPr lvl="1"/>
-            <a:r>
-              <a:rPr lang="en-PH" dirty="0" smtClean="0"/>
-              <a:t>Team Leader</a:t>
-            </a:r>
-          </a:p>
-          <a:p>
-            <a:pPr lvl="1"/>
-            <a:r>
-              <a:rPr lang="en-PH" dirty="0" smtClean="0"/>
-              <a:t>Agent (Call center agent)</a:t>
-            </a:r>
-            <a:endParaRPr lang="en-PH" dirty="0"/>
-          </a:p>
-        </p:txBody>
-      </p:sp>
-    </p:spTree>
-    <p:extLst>
-      <p:ext uri="{BB962C8B-B14F-4D97-AF65-F5344CB8AC3E}">
-        <p14:creationId xmlns:p14="http://schemas.microsoft.com/office/powerpoint/2010/main" val="1886483021"/>
-      </p:ext>
-    </p:extLst>
-  </p:cSld>
-  <p:clrMapOvr>
-    <a:masterClrMapping/>
-  </p:clrMapOvr>
-  <p:timing>
-    <p:tnLst>
-      <p:par>
-        <p:cTn id="1" dur="indefinite" restart="never" nodeType="tmRoot"/>
-      </p:par>
-    </p:tnLst>
-  </p:timing>
-</p:sld>
-</file>
-
-<file path=ppt/slides/slide6.xml><?xml version="1.0" encoding="utf-8"?>
-<p:sld xmlns:a="http://schemas.openxmlformats.org/drawingml/2006/main" xmlns:r="http://schemas.openxmlformats.org/officeDocument/2006/relationships" xmlns:p="http://schemas.openxmlformats.org/presentationml/2006/main">
-  <p:cSld>
-    <p:spTree>
-      <p:nvGrpSpPr>
-        <p:cNvPr id="1" name=""/>
-        <p:cNvGrpSpPr/>
-        <p:nvPr/>
-      </p:nvGrpSpPr>
-      <p:grpSpPr>
-        <a:xfrm>
-          <a:off x="0" y="0"/>
-          <a:ext cx="0" cy="0"/>
-          <a:chOff x="0" y="0"/>
-          <a:chExt cx="0" cy="0"/>
-        </a:xfrm>
-      </p:grpSpPr>
-      <p:sp>
-        <p:nvSpPr>
-          <p:cNvPr id="2" name="Title 1"/>
-          <p:cNvSpPr>
-            <a:spLocks noGrp="1"/>
-          </p:cNvSpPr>
-          <p:nvPr>
-            <p:ph type="title"/>
-          </p:nvPr>
-        </p:nvSpPr>
-        <p:spPr/>
-        <p:txBody>
-          <a:bodyPr/>
-          <a:lstStyle/>
-          <a:p>
-            <a:r>
-              <a:rPr lang="en-PH" dirty="0" smtClean="0"/>
               <a:t>Use Case</a:t>
             </a:r>
             <a:endParaRPr lang="en-PH" dirty="0"/>
@@ -6812,7 +6636,7 @@
         </p:blipFill>
         <p:spPr>
           <a:xfrm>
-            <a:off x="432494" y="2162433"/>
+            <a:off x="1817541" y="2162433"/>
             <a:ext cx="3323959" cy="4336448"/>
           </a:xfrm>
         </p:spPr>
@@ -6839,38 +6663,8 @@
         </p:blipFill>
         <p:spPr>
           <a:xfrm>
-            <a:off x="4277095" y="2162433"/>
+            <a:off x="7113471" y="2162433"/>
             <a:ext cx="3676859" cy="4336448"/>
-          </a:xfrm>
-          <a:prstGeom prst="rect">
-            <a:avLst/>
-          </a:prstGeom>
-        </p:spPr>
-      </p:pic>
-      <p:pic>
-        <p:nvPicPr>
-          <p:cNvPr id="6" name="Picture 5"/>
-          <p:cNvPicPr>
-            <a:picLocks noChangeAspect="1"/>
-          </p:cNvPicPr>
-          <p:nvPr/>
-        </p:nvPicPr>
-        <p:blipFill>
-          <a:blip r:embed="rId4">
-            <a:extLst>
-              <a:ext uri="{28A0092B-C50C-407E-A947-70E740481C1C}">
-                <a14:useLocalDpi xmlns:a14="http://schemas.microsoft.com/office/drawing/2010/main" val="0"/>
-              </a:ext>
-            </a:extLst>
-          </a:blip>
-          <a:stretch>
-            <a:fillRect/>
-          </a:stretch>
-        </p:blipFill>
-        <p:spPr>
-          <a:xfrm>
-            <a:off x="8313394" y="2162433"/>
-            <a:ext cx="3536736" cy="4336448"/>
           </a:xfrm>
           <a:prstGeom prst="rect">
             <a:avLst/>
@@ -6897,7 +6691,7 @@
 </p:sld>
 </file>
 
-<file path=ppt/slides/slide7.xml><?xml version="1.0" encoding="utf-8"?>
+<file path=ppt/slides/slide6.xml><?xml version="1.0" encoding="utf-8"?>
 <p:sld xmlns:a="http://schemas.openxmlformats.org/drawingml/2006/main" xmlns:r="http://schemas.openxmlformats.org/officeDocument/2006/relationships" xmlns:p="http://schemas.openxmlformats.org/presentationml/2006/main">
   <p:cSld>
     <p:spTree>
@@ -7046,7 +6840,7 @@
 </p:sld>
 </file>
 
-<file path=ppt/slides/slide8.xml><?xml version="1.0" encoding="utf-8"?>
+<file path=ppt/slides/slide7.xml><?xml version="1.0" encoding="utf-8"?>
 <p:sld xmlns:a="http://schemas.openxmlformats.org/drawingml/2006/main" xmlns:r="http://schemas.openxmlformats.org/officeDocument/2006/relationships" xmlns:p="http://schemas.openxmlformats.org/presentationml/2006/main">
   <p:cSld>
     <p:spTree>
@@ -7140,7 +6934,7 @@
 </p:sld>
 </file>
 
-<file path=ppt/slides/slide9.xml><?xml version="1.0" encoding="utf-8"?>
+<file path=ppt/slides/slide8.xml><?xml version="1.0" encoding="utf-8"?>
 <p:sld xmlns:a="http://schemas.openxmlformats.org/drawingml/2006/main" xmlns:r="http://schemas.openxmlformats.org/officeDocument/2006/relationships" xmlns:p="http://schemas.openxmlformats.org/presentationml/2006/main">
   <p:cSld>
     <p:spTree>
@@ -7213,6 +7007,109 @@
     <p:extLst>
       <p:ext uri="{BB962C8B-B14F-4D97-AF65-F5344CB8AC3E}">
         <p14:creationId xmlns:p14="http://schemas.microsoft.com/office/powerpoint/2010/main" val="681549809"/>
+      </p:ext>
+    </p:extLst>
+  </p:cSld>
+  <p:clrMapOvr>
+    <a:masterClrMapping/>
+  </p:clrMapOvr>
+  <p:timing>
+    <p:tnLst>
+      <p:par>
+        <p:cTn id="1" dur="indefinite" restart="never" nodeType="tmRoot"/>
+      </p:par>
+    </p:tnLst>
+  </p:timing>
+</p:sld>
+</file>
+
+<file path=ppt/slides/slide9.xml><?xml version="1.0" encoding="utf-8"?>
+<p:sld xmlns:a="http://schemas.openxmlformats.org/drawingml/2006/main" xmlns:r="http://schemas.openxmlformats.org/officeDocument/2006/relationships" xmlns:p="http://schemas.openxmlformats.org/presentationml/2006/main">
+  <p:cSld>
+    <p:spTree>
+      <p:nvGrpSpPr>
+        <p:cNvPr id="1" name=""/>
+        <p:cNvGrpSpPr/>
+        <p:nvPr/>
+      </p:nvGrpSpPr>
+      <p:grpSpPr>
+        <a:xfrm>
+          <a:off x="0" y="0"/>
+          <a:ext cx="0" cy="0"/>
+          <a:chOff x="0" y="0"/>
+          <a:chExt cx="0" cy="0"/>
+        </a:xfrm>
+      </p:grpSpPr>
+      <p:sp>
+        <p:nvSpPr>
+          <p:cNvPr id="2" name="Title 1"/>
+          <p:cNvSpPr>
+            <a:spLocks noGrp="1"/>
+          </p:cNvSpPr>
+          <p:nvPr>
+            <p:ph type="title"/>
+          </p:nvPr>
+        </p:nvSpPr>
+        <p:spPr/>
+        <p:txBody>
+          <a:bodyPr/>
+          <a:lstStyle/>
+          <a:p>
+            <a:r>
+              <a:rPr lang="en-PH" dirty="0" smtClean="0"/>
+              <a:t>Reference</a:t>
+            </a:r>
+            <a:endParaRPr lang="en-PH" dirty="0"/>
+          </a:p>
+        </p:txBody>
+      </p:sp>
+      <p:sp>
+        <p:nvSpPr>
+          <p:cNvPr id="3" name="Content Placeholder 2"/>
+          <p:cNvSpPr>
+            <a:spLocks noGrp="1"/>
+          </p:cNvSpPr>
+          <p:nvPr>
+            <p:ph idx="1"/>
+          </p:nvPr>
+        </p:nvSpPr>
+        <p:spPr/>
+        <p:txBody>
+          <a:bodyPr/>
+          <a:lstStyle/>
+          <a:p>
+            <a:r>
+              <a:rPr lang="en-PH" dirty="0" smtClean="0"/>
+              <a:t>Republic Act 9369</a:t>
+            </a:r>
+          </a:p>
+          <a:p>
+            <a:r>
+              <a:rPr lang="en-PH" dirty="0" err="1" smtClean="0"/>
+              <a:t>Comelec</a:t>
+            </a:r>
+            <a:r>
+              <a:rPr lang="en-PH" dirty="0" smtClean="0"/>
+              <a:t> Resolution no. 8879</a:t>
+            </a:r>
+          </a:p>
+          <a:p>
+            <a:r>
+              <a:rPr lang="en-PH" dirty="0" err="1" smtClean="0"/>
+              <a:t>Comelec</a:t>
+            </a:r>
+            <a:r>
+              <a:rPr lang="en-PH" dirty="0" smtClean="0"/>
+              <a:t> Resolution no. 8900</a:t>
+            </a:r>
+            <a:endParaRPr lang="en-PH" dirty="0"/>
+          </a:p>
+        </p:txBody>
+      </p:sp>
+    </p:spTree>
+    <p:extLst>
+      <p:ext uri="{BB962C8B-B14F-4D97-AF65-F5344CB8AC3E}">
+        <p14:creationId xmlns:p14="http://schemas.microsoft.com/office/powerpoint/2010/main" val="975388134"/>
       </p:ext>
     </p:extLst>
   </p:cSld>

--- a/documentation/softdev/Support and Command Center.pptx
+++ b/documentation/softdev/Support and Command Center.pptx
@@ -10,11 +10,13 @@
     <p:sldId id="258" r:id="rId4"/>
     <p:sldId id="257" r:id="rId5"/>
     <p:sldId id="262" r:id="rId6"/>
-    <p:sldId id="263" r:id="rId7"/>
-    <p:sldId id="264" r:id="rId8"/>
-    <p:sldId id="259" r:id="rId9"/>
-    <p:sldId id="260" r:id="rId10"/>
-    <p:sldId id="261" r:id="rId11"/>
+    <p:sldId id="266" r:id="rId7"/>
+    <p:sldId id="267" r:id="rId8"/>
+    <p:sldId id="263" r:id="rId9"/>
+    <p:sldId id="264" r:id="rId10"/>
+    <p:sldId id="259" r:id="rId11"/>
+    <p:sldId id="260" r:id="rId12"/>
+    <p:sldId id="261" r:id="rId13"/>
   </p:sldIdLst>
   <p:sldSz cx="12192000" cy="6858000"/>
   <p:notesSz cx="6858000" cy="9144000"/>
@@ -115,7 +117,7 @@
   </p:defaultTextStyle>
   <p:extLst>
     <p:ext uri="{EFAFB233-063F-42B5-8137-9DF3F51BA10A}">
-      <p15:sldGuideLst xmlns:p15="http://schemas.microsoft.com/office/powerpoint/2012/main"/>
+      <p15:sldGuideLst xmlns:p15="http://schemas.microsoft.com/office/powerpoint/2012/main" xmlns=""/>
     </p:ext>
   </p:extLst>
 </p:presentation>
@@ -624,7 +626,7 @@
             <a:fld id="{B61BEF0D-F0BB-DE4B-95CE-6DB70DBA9567}" type="datetimeFigureOut">
               <a:rPr lang="en-US" dirty="0"/>
               <a:pPr/>
-              <a:t>4/6/2016</a:t>
+              <a:t>4/22/2016</a:t>
             </a:fld>
             <a:endParaRPr lang="en-US" dirty="0"/>
           </a:p>
@@ -917,7 +919,7 @@
             <a:fld id="{B61BEF0D-F0BB-DE4B-95CE-6DB70DBA9567}" type="datetimeFigureOut">
               <a:rPr lang="en-US" dirty="0"/>
               <a:pPr/>
-              <a:t>4/6/2016</a:t>
+              <a:t>4/22/2016</a:t>
             </a:fld>
             <a:endParaRPr lang="en-US" dirty="0"/>
           </a:p>
@@ -1162,7 +1164,7 @@
             <a:fld id="{B61BEF0D-F0BB-DE4B-95CE-6DB70DBA9567}" type="datetimeFigureOut">
               <a:rPr lang="en-US" dirty="0"/>
               <a:pPr/>
-              <a:t>4/6/2016</a:t>
+              <a:t>4/22/2016</a:t>
             </a:fld>
             <a:endParaRPr lang="en-US" dirty="0"/>
           </a:p>
@@ -1699,7 +1701,7 @@
             <a:fld id="{B61BEF0D-F0BB-DE4B-95CE-6DB70DBA9567}" type="datetimeFigureOut">
               <a:rPr lang="en-US" dirty="0"/>
               <a:pPr/>
-              <a:t>4/6/2016</a:t>
+              <a:t>4/22/2016</a:t>
             </a:fld>
             <a:endParaRPr lang="en-US" dirty="0"/>
           </a:p>
@@ -1944,7 +1946,7 @@
             <a:fld id="{B61BEF0D-F0BB-DE4B-95CE-6DB70DBA9567}" type="datetimeFigureOut">
               <a:rPr lang="en-US" dirty="0"/>
               <a:pPr/>
-              <a:t>4/6/2016</a:t>
+              <a:t>4/22/2016</a:t>
             </a:fld>
             <a:endParaRPr lang="en-US" dirty="0"/>
           </a:p>
@@ -2473,7 +2475,7 @@
             <a:fld id="{B61BEF0D-F0BB-DE4B-95CE-6DB70DBA9567}" type="datetimeFigureOut">
               <a:rPr lang="en-US" dirty="0"/>
               <a:pPr/>
-              <a:t>4/6/2016</a:t>
+              <a:t>4/22/2016</a:t>
             </a:fld>
             <a:endParaRPr lang="en-US" dirty="0"/>
           </a:p>
@@ -2767,7 +2769,7 @@
             <a:fld id="{B61BEF0D-F0BB-DE4B-95CE-6DB70DBA9567}" type="datetimeFigureOut">
               <a:rPr lang="en-US" dirty="0"/>
               <a:pPr/>
-              <a:t>4/6/2016</a:t>
+              <a:t>4/22/2016</a:t>
             </a:fld>
             <a:endParaRPr lang="en-US" dirty="0"/>
           </a:p>
@@ -2938,7 +2940,7 @@
             <a:fld id="{B61BEF0D-F0BB-DE4B-95CE-6DB70DBA9567}" type="datetimeFigureOut">
               <a:rPr lang="en-US" dirty="0"/>
               <a:pPr/>
-              <a:t>4/6/2016</a:t>
+              <a:t>4/22/2016</a:t>
             </a:fld>
             <a:endParaRPr lang="en-US" dirty="0"/>
           </a:p>
@@ -3115,7 +3117,7 @@
             <a:fld id="{B61BEF0D-F0BB-DE4B-95CE-6DB70DBA9567}" type="datetimeFigureOut">
               <a:rPr lang="en-US" dirty="0"/>
               <a:pPr/>
-              <a:t>4/6/2016</a:t>
+              <a:t>4/22/2016</a:t>
             </a:fld>
             <a:endParaRPr lang="en-US" dirty="0"/>
           </a:p>
@@ -3282,7 +3284,7 @@
             <a:fld id="{B61BEF0D-F0BB-DE4B-95CE-6DB70DBA9567}" type="datetimeFigureOut">
               <a:rPr lang="en-US" dirty="0"/>
               <a:pPr/>
-              <a:t>4/6/2016</a:t>
+              <a:t>4/22/2016</a:t>
             </a:fld>
             <a:endParaRPr lang="en-US" dirty="0"/>
           </a:p>
@@ -3530,7 +3532,7 @@
             <a:fld id="{B61BEF0D-F0BB-DE4B-95CE-6DB70DBA9567}" type="datetimeFigureOut">
               <a:rPr lang="en-US" dirty="0"/>
               <a:pPr/>
-              <a:t>4/6/2016</a:t>
+              <a:t>4/22/2016</a:t>
             </a:fld>
             <a:endParaRPr lang="en-US" dirty="0"/>
           </a:p>
@@ -3824,7 +3826,7 @@
             <a:fld id="{B61BEF0D-F0BB-DE4B-95CE-6DB70DBA9567}" type="datetimeFigureOut">
               <a:rPr lang="en-US" dirty="0"/>
               <a:pPr/>
-              <a:t>4/6/2016</a:t>
+              <a:t>4/22/2016</a:t>
             </a:fld>
             <a:endParaRPr lang="en-US" dirty="0"/>
           </a:p>
@@ -4263,7 +4265,7 @@
             <a:fld id="{B61BEF0D-F0BB-DE4B-95CE-6DB70DBA9567}" type="datetimeFigureOut">
               <a:rPr lang="en-US" dirty="0"/>
               <a:pPr/>
-              <a:t>4/6/2016</a:t>
+              <a:t>4/22/2016</a:t>
             </a:fld>
             <a:endParaRPr lang="en-US" dirty="0"/>
           </a:p>
@@ -4378,7 +4380,7 @@
             <a:fld id="{B61BEF0D-F0BB-DE4B-95CE-6DB70DBA9567}" type="datetimeFigureOut">
               <a:rPr lang="en-US" dirty="0"/>
               <a:pPr/>
-              <a:t>4/6/2016</a:t>
+              <a:t>4/22/2016</a:t>
             </a:fld>
             <a:endParaRPr lang="en-US" dirty="0"/>
           </a:p>
@@ -4470,7 +4472,7 @@
             <a:fld id="{B61BEF0D-F0BB-DE4B-95CE-6DB70DBA9567}" type="datetimeFigureOut">
               <a:rPr lang="en-US" dirty="0"/>
               <a:pPr/>
-              <a:t>4/6/2016</a:t>
+              <a:t>4/22/2016</a:t>
             </a:fld>
             <a:endParaRPr lang="en-US" dirty="0"/>
           </a:p>
@@ -4750,7 +4752,7 @@
             <a:fld id="{B61BEF0D-F0BB-DE4B-95CE-6DB70DBA9567}" type="datetimeFigureOut">
               <a:rPr lang="en-US" dirty="0"/>
               <a:pPr/>
-              <a:t>4/6/2016</a:t>
+              <a:t>4/22/2016</a:t>
             </a:fld>
             <a:endParaRPr lang="en-US" dirty="0"/>
           </a:p>
@@ -5038,7 +5040,7 @@
             <a:fld id="{B61BEF0D-F0BB-DE4B-95CE-6DB70DBA9567}" type="datetimeFigureOut">
               <a:rPr lang="en-US" dirty="0"/>
               <a:pPr/>
-              <a:t>4/6/2016</a:t>
+              <a:t>4/22/2016</a:t>
             </a:fld>
             <a:endParaRPr lang="en-US" dirty="0"/>
           </a:p>
@@ -5565,7 +5567,7 @@
             <a:fld id="{B61BEF0D-F0BB-DE4B-95CE-6DB70DBA9567}" type="datetimeFigureOut">
               <a:rPr lang="en-US" dirty="0"/>
               <a:pPr/>
-              <a:t>4/6/2016</a:t>
+              <a:t>4/22/2016</a:t>
             </a:fld>
             <a:endParaRPr lang="en-US" dirty="0"/>
           </a:p>
@@ -6184,7 +6186,7 @@
     </p:spTree>
     <p:extLst>
       <p:ext uri="{BB962C8B-B14F-4D97-AF65-F5344CB8AC3E}">
-        <p14:creationId xmlns:p14="http://schemas.microsoft.com/office/powerpoint/2010/main" val="2587165366"/>
+        <p14:creationId xmlns:p14="http://schemas.microsoft.com/office/powerpoint/2010/main" xmlns="" val="2587165366"/>
       </p:ext>
     </p:extLst>
   </p:cSld>
@@ -6228,66 +6230,249 @@
             <p:ph type="title"/>
           </p:nvPr>
         </p:nvSpPr>
-        <p:spPr/>
+        <p:spPr>
+          <a:xfrm>
+            <a:off x="1293811" y="0"/>
+            <a:ext cx="10018713" cy="1752599"/>
+          </a:xfrm>
+        </p:spPr>
         <p:txBody>
           <a:bodyPr/>
           <a:lstStyle/>
           <a:p>
             <a:r>
               <a:rPr lang="en-PH" dirty="0" smtClean="0"/>
-              <a:t>Reference</a:t>
+              <a:t>ERD</a:t>
             </a:r>
             <a:endParaRPr lang="en-PH" dirty="0"/>
           </a:p>
         </p:txBody>
       </p:sp>
-      <p:sp>
-        <p:nvSpPr>
-          <p:cNvPr id="3" name="Content Placeholder 2"/>
-          <p:cNvSpPr>
-            <a:spLocks noGrp="1"/>
-          </p:cNvSpPr>
+      <p:pic>
+        <p:nvPicPr>
+          <p:cNvPr id="4" name="Content Placeholder 3"/>
+          <p:cNvPicPr>
+            <a:picLocks noGrp="1" noChangeAspect="1"/>
+          </p:cNvPicPr>
           <p:nvPr>
             <p:ph idx="1"/>
           </p:nvPr>
-        </p:nvSpPr>
-        <p:spPr/>
-        <p:txBody>
-          <a:bodyPr/>
-          <a:lstStyle/>
-          <a:p>
-            <a:r>
-              <a:rPr lang="en-PH" dirty="0" smtClean="0"/>
-              <a:t>Republic Act 9369</a:t>
-            </a:r>
-          </a:p>
-          <a:p>
-            <a:r>
-              <a:rPr lang="en-PH" dirty="0" err="1" smtClean="0"/>
-              <a:t>Comelec</a:t>
-            </a:r>
-            <a:r>
-              <a:rPr lang="en-PH" dirty="0" smtClean="0"/>
-              <a:t> Resolution no. 8879</a:t>
-            </a:r>
-          </a:p>
-          <a:p>
-            <a:r>
-              <a:rPr lang="en-PH" dirty="0" err="1" smtClean="0"/>
-              <a:t>Comelec</a:t>
-            </a:r>
-            <a:r>
-              <a:rPr lang="en-PH" dirty="0" smtClean="0"/>
-              <a:t> Resolution no. 8900</a:t>
-            </a:r>
-            <a:endParaRPr lang="en-PH" dirty="0"/>
-          </a:p>
-        </p:txBody>
-      </p:sp>
+        </p:nvPicPr>
+        <p:blipFill>
+          <a:blip r:embed="rId2">
+            <a:extLst>
+              <a:ext uri="{28A0092B-C50C-407E-A947-70E740481C1C}">
+                <a14:useLocalDpi xmlns:a14="http://schemas.microsoft.com/office/drawing/2010/main" xmlns="" val="0"/>
+              </a:ext>
+            </a:extLst>
+          </a:blip>
+          <a:stretch>
+            <a:fillRect/>
+          </a:stretch>
+        </p:blipFill>
+        <p:spPr>
+          <a:xfrm>
+            <a:off x="1026316" y="1295398"/>
+            <a:ext cx="10553701" cy="5105401"/>
+          </a:xfrm>
+        </p:spPr>
+      </p:pic>
     </p:spTree>
     <p:extLst>
       <p:ext uri="{BB962C8B-B14F-4D97-AF65-F5344CB8AC3E}">
-        <p14:creationId xmlns:p14="http://schemas.microsoft.com/office/powerpoint/2010/main" val="975388134"/>
+        <p14:creationId xmlns:p14="http://schemas.microsoft.com/office/powerpoint/2010/main" xmlns="" val="3893075802"/>
+      </p:ext>
+    </p:extLst>
+  </p:cSld>
+  <p:clrMapOvr>
+    <a:masterClrMapping/>
+  </p:clrMapOvr>
+  <p:timing>
+    <p:tnLst>
+      <p:par>
+        <p:cTn id="1" dur="indefinite" restart="never" nodeType="tmRoot"/>
+      </p:par>
+    </p:tnLst>
+  </p:timing>
+</p:sld>
+</file>
+
+<file path=ppt/slides/slide11.xml><?xml version="1.0" encoding="utf-8"?>
+<p:sld xmlns:a="http://schemas.openxmlformats.org/drawingml/2006/main" xmlns:r="http://schemas.openxmlformats.org/officeDocument/2006/relationships" xmlns:p="http://schemas.openxmlformats.org/presentationml/2006/main">
+  <p:cSld>
+    <p:spTree>
+      <p:nvGrpSpPr>
+        <p:cNvPr id="1" name=""/>
+        <p:cNvGrpSpPr/>
+        <p:nvPr/>
+      </p:nvGrpSpPr>
+      <p:grpSpPr>
+        <a:xfrm>
+          <a:off x="0" y="0"/>
+          <a:ext cx="0" cy="0"/>
+          <a:chOff x="0" y="0"/>
+          <a:chExt cx="0" cy="0"/>
+        </a:xfrm>
+      </p:grpSpPr>
+      <p:sp>
+        <p:nvSpPr>
+          <p:cNvPr id="2" name="Title 1"/>
+          <p:cNvSpPr>
+            <a:spLocks noGrp="1"/>
+          </p:cNvSpPr>
+          <p:nvPr>
+            <p:ph type="title"/>
+          </p:nvPr>
+        </p:nvSpPr>
+        <p:spPr/>
+        <p:txBody>
+          <a:bodyPr/>
+          <a:lstStyle/>
+          <a:p>
+            <a:r>
+              <a:rPr lang="en-PH" dirty="0" smtClean="0"/>
+              <a:t>Site map</a:t>
+            </a:r>
+            <a:endParaRPr lang="en-PH" dirty="0"/>
+          </a:p>
+        </p:txBody>
+      </p:sp>
+      <p:pic>
+        <p:nvPicPr>
+          <p:cNvPr id="4" name="Content Placeholder 3"/>
+          <p:cNvPicPr>
+            <a:picLocks noGrp="1" noChangeAspect="1"/>
+          </p:cNvPicPr>
+          <p:nvPr>
+            <p:ph idx="1"/>
+          </p:nvPr>
+        </p:nvPicPr>
+        <p:blipFill>
+          <a:blip r:embed="rId2">
+            <a:extLst>
+              <a:ext uri="{28A0092B-C50C-407E-A947-70E740481C1C}">
+                <a14:useLocalDpi xmlns:a14="http://schemas.microsoft.com/office/drawing/2010/main" xmlns="" val="0"/>
+              </a:ext>
+            </a:extLst>
+          </a:blip>
+          <a:stretch>
+            <a:fillRect/>
+          </a:stretch>
+        </p:blipFill>
+        <p:spPr>
+          <a:xfrm>
+            <a:off x="514350" y="2038350"/>
+            <a:ext cx="11391899" cy="4610100"/>
+          </a:xfrm>
+        </p:spPr>
+      </p:pic>
+    </p:spTree>
+    <p:extLst>
+      <p:ext uri="{BB962C8B-B14F-4D97-AF65-F5344CB8AC3E}">
+        <p14:creationId xmlns:p14="http://schemas.microsoft.com/office/powerpoint/2010/main" xmlns="" val="681549809"/>
+      </p:ext>
+    </p:extLst>
+  </p:cSld>
+  <p:clrMapOvr>
+    <a:masterClrMapping/>
+  </p:clrMapOvr>
+  <p:timing>
+    <p:tnLst>
+      <p:par>
+        <p:cTn id="1" dur="indefinite" restart="never" nodeType="tmRoot"/>
+      </p:par>
+    </p:tnLst>
+  </p:timing>
+</p:sld>
+</file>
+
+<file path=ppt/slides/slide12.xml><?xml version="1.0" encoding="utf-8"?>
+<p:sld xmlns:a="http://schemas.openxmlformats.org/drawingml/2006/main" xmlns:r="http://schemas.openxmlformats.org/officeDocument/2006/relationships" xmlns:p="http://schemas.openxmlformats.org/presentationml/2006/main">
+  <p:cSld>
+    <p:spTree>
+      <p:nvGrpSpPr>
+        <p:cNvPr id="1" name=""/>
+        <p:cNvGrpSpPr/>
+        <p:nvPr/>
+      </p:nvGrpSpPr>
+      <p:grpSpPr>
+        <a:xfrm>
+          <a:off x="0" y="0"/>
+          <a:ext cx="0" cy="0"/>
+          <a:chOff x="0" y="0"/>
+          <a:chExt cx="0" cy="0"/>
+        </a:xfrm>
+      </p:grpSpPr>
+      <p:sp>
+        <p:nvSpPr>
+          <p:cNvPr id="2" name="Title 1"/>
+          <p:cNvSpPr>
+            <a:spLocks noGrp="1"/>
+          </p:cNvSpPr>
+          <p:nvPr>
+            <p:ph type="title"/>
+          </p:nvPr>
+        </p:nvSpPr>
+        <p:spPr/>
+        <p:txBody>
+          <a:bodyPr/>
+          <a:lstStyle/>
+          <a:p>
+            <a:r>
+              <a:rPr lang="en-PH" dirty="0" smtClean="0"/>
+              <a:t>Reference</a:t>
+            </a:r>
+            <a:endParaRPr lang="en-PH" dirty="0"/>
+          </a:p>
+        </p:txBody>
+      </p:sp>
+      <p:sp>
+        <p:nvSpPr>
+          <p:cNvPr id="3" name="Content Placeholder 2"/>
+          <p:cNvSpPr>
+            <a:spLocks noGrp="1"/>
+          </p:cNvSpPr>
+          <p:nvPr>
+            <p:ph idx="1"/>
+          </p:nvPr>
+        </p:nvSpPr>
+        <p:spPr/>
+        <p:txBody>
+          <a:bodyPr/>
+          <a:lstStyle/>
+          <a:p>
+            <a:r>
+              <a:rPr lang="en-PH" dirty="0" smtClean="0"/>
+              <a:t>Republic Act 9369</a:t>
+            </a:r>
+          </a:p>
+          <a:p>
+            <a:r>
+              <a:rPr lang="en-PH" dirty="0" err="1" smtClean="0"/>
+              <a:t>Comelec</a:t>
+            </a:r>
+            <a:r>
+              <a:rPr lang="en-PH" dirty="0" smtClean="0"/>
+              <a:t> Resolution no. 8879</a:t>
+            </a:r>
+          </a:p>
+          <a:p>
+            <a:r>
+              <a:rPr lang="en-PH" dirty="0" err="1" smtClean="0"/>
+              <a:t>Comelec</a:t>
+            </a:r>
+            <a:r>
+              <a:rPr lang="en-PH" dirty="0" smtClean="0"/>
+              <a:t> Resolution no. 8900</a:t>
+            </a:r>
+            <a:endParaRPr lang="en-PH" dirty="0"/>
+          </a:p>
+        </p:txBody>
+      </p:sp>
+    </p:spTree>
+    <p:extLst>
+      <p:ext uri="{BB962C8B-B14F-4D97-AF65-F5344CB8AC3E}">
+        <p14:creationId xmlns:p14="http://schemas.microsoft.com/office/powerpoint/2010/main" xmlns="" val="975388134"/>
       </p:ext>
     </p:extLst>
   </p:cSld>
@@ -6359,20 +6544,51 @@
           <a:bodyPr/>
           <a:lstStyle/>
           <a:p>
-            <a:endParaRPr lang="en-PH"/>
+            <a:r>
+              <a:rPr lang="en-PH" dirty="0" smtClean="0"/>
+              <a:t>Document all incident reports and activities in calls made in a call </a:t>
+            </a:r>
+            <a:r>
+              <a:rPr lang="en-PH" dirty="0" err="1" smtClean="0"/>
+              <a:t>center</a:t>
+            </a:r>
+            <a:r>
+              <a:rPr lang="en-PH" dirty="0" smtClean="0"/>
+              <a:t>.</a:t>
+            </a:r>
+          </a:p>
+          <a:p>
+            <a:r>
+              <a:rPr lang="en-PH" dirty="0" smtClean="0"/>
+              <a:t>To have a record of all technical and transmission issues with the automated election.</a:t>
+            </a:r>
+          </a:p>
+          <a:p>
+            <a:r>
+              <a:rPr lang="en-PH" dirty="0" smtClean="0"/>
+              <a:t>To promote integrity for election return transmission.</a:t>
+            </a:r>
+            <a:endParaRPr lang="en-PH" dirty="0"/>
           </a:p>
         </p:txBody>
       </p:sp>
     </p:spTree>
     <p:extLst>
       <p:ext uri="{BB962C8B-B14F-4D97-AF65-F5344CB8AC3E}">
-        <p14:creationId xmlns:p14="http://schemas.microsoft.com/office/powerpoint/2010/main" val="3382219280"/>
+        <p14:creationId xmlns:p14="http://schemas.microsoft.com/office/powerpoint/2010/main" xmlns="" val="3382219280"/>
       </p:ext>
     </p:extLst>
   </p:cSld>
   <p:clrMapOvr>
     <a:masterClrMapping/>
   </p:clrMapOvr>
+  <p:timing>
+    <p:tnLst>
+      <p:par>
+        <p:cTn id="1" dur="indefinite" restart="never" nodeType="tmRoot"/>
+      </p:par>
+    </p:tnLst>
+  </p:timing>
 </p:sld>
 </file>
 
@@ -6432,21 +6648,53 @@
           <a:lstStyle/>
           <a:p>
             <a:r>
+              <a:rPr lang="en-PH" dirty="0" smtClean="0"/>
+              <a:t>Previous system had issues with transmission logs.</a:t>
+            </a:r>
+            <a:endParaRPr lang="en-PH" dirty="0"/>
+          </a:p>
+          <a:p>
+            <a:r>
+              <a:rPr lang="en-PH" dirty="0" smtClean="0"/>
+              <a:t>Previous system had u</a:t>
+            </a:r>
+            <a:r>
+              <a:rPr lang="en-PH" dirty="0" smtClean="0"/>
+              <a:t>nsynchronized </a:t>
+            </a:r>
+            <a:r>
               <a:rPr lang="en-PH" dirty="0"/>
-              <a:t>Had issues in transmission logs </a:t>
-            </a:r>
-          </a:p>
-          <a:p>
+              <a:t>timestamp</a:t>
+            </a:r>
+          </a:p>
+          <a:p>
+            <a:r>
+              <a:rPr lang="en-PH" dirty="0" smtClean="0"/>
+              <a:t>Previous system d</a:t>
+            </a:r>
+            <a:r>
+              <a:rPr lang="en-PH" dirty="0" smtClean="0"/>
+              <a:t>oes </a:t>
+            </a:r>
             <a:r>
               <a:rPr lang="en-PH" dirty="0"/>
-              <a:t>Unsynchronized timestamp</a:t>
-            </a:r>
-          </a:p>
-          <a:p>
+              <a:t>not </a:t>
+            </a:r>
+            <a:r>
+              <a:rPr lang="en-PH" dirty="0" smtClean="0"/>
+              <a:t>have </a:t>
+            </a:r>
             <a:r>
               <a:rPr lang="en-PH" dirty="0"/>
-              <a:t>Does not have logs or reports for transmission issues</a:t>
-            </a:r>
+              <a:t>reports for transmission </a:t>
+            </a:r>
+            <a:r>
+              <a:rPr lang="en-PH" dirty="0" smtClean="0"/>
+              <a:t>issues and incident reports.</a:t>
+            </a:r>
+          </a:p>
+          <a:p>
+            <a:endParaRPr lang="en-PH" dirty="0"/>
           </a:p>
           <a:p>
             <a:endParaRPr lang="en-US" dirty="0"/>
@@ -6459,7 +6707,7 @@
     </p:spTree>
     <p:extLst>
       <p:ext uri="{BB962C8B-B14F-4D97-AF65-F5344CB8AC3E}">
-        <p14:creationId xmlns:p14="http://schemas.microsoft.com/office/powerpoint/2010/main" val="2521547708"/>
+        <p14:creationId xmlns:p14="http://schemas.microsoft.com/office/powerpoint/2010/main" xmlns="" val="2521547708"/>
       </p:ext>
     </p:extLst>
   </p:cSld>
@@ -6614,7 +6862,7 @@
     </p:spTree>
     <p:extLst>
       <p:ext uri="{BB962C8B-B14F-4D97-AF65-F5344CB8AC3E}">
-        <p14:creationId xmlns:p14="http://schemas.microsoft.com/office/powerpoint/2010/main" val="2394276376"/>
+        <p14:creationId xmlns:p14="http://schemas.microsoft.com/office/powerpoint/2010/main" xmlns="" val="2394276376"/>
       </p:ext>
     </p:extLst>
   </p:cSld>
@@ -6731,7 +6979,7 @@
     </p:spTree>
     <p:extLst>
       <p:ext uri="{BB962C8B-B14F-4D97-AF65-F5344CB8AC3E}">
-        <p14:creationId xmlns:p14="http://schemas.microsoft.com/office/powerpoint/2010/main" val="1886483021"/>
+        <p14:creationId xmlns:p14="http://schemas.microsoft.com/office/powerpoint/2010/main" xmlns="" val="1886483021"/>
       </p:ext>
     </p:extLst>
   </p:cSld>
@@ -6781,108 +7029,49 @@
           <a:lstStyle/>
           <a:p>
             <a:r>
-              <a:rPr lang="en-PH" dirty="0" smtClean="0"/>
-              <a:t>Use Case</a:t>
-            </a:r>
-            <a:endParaRPr lang="en-PH" dirty="0"/>
-          </a:p>
-        </p:txBody>
-      </p:sp>
-      <p:pic>
-        <p:nvPicPr>
-          <p:cNvPr id="4" name="Content Placeholder 3"/>
-          <p:cNvPicPr>
-            <a:picLocks noGrp="1" noChangeAspect="1"/>
-          </p:cNvPicPr>
+              <a:rPr lang="en-US" dirty="0" smtClean="0"/>
+              <a:t>Who would benefit from the system?	</a:t>
+            </a:r>
+            <a:endParaRPr lang="en-US" dirty="0"/>
+          </a:p>
+        </p:txBody>
+      </p:sp>
+      <p:sp>
+        <p:nvSpPr>
+          <p:cNvPr id="3" name="Content Placeholder 2"/>
+          <p:cNvSpPr>
+            <a:spLocks noGrp="1"/>
+          </p:cNvSpPr>
           <p:nvPr>
             <p:ph idx="1"/>
           </p:nvPr>
-        </p:nvPicPr>
-        <p:blipFill>
-          <a:blip r:embed="rId2">
-            <a:extLst>
-              <a:ext uri="{28A0092B-C50C-407E-A947-70E740481C1C}">
-                <a14:useLocalDpi xmlns:a14="http://schemas.microsoft.com/office/drawing/2010/main" val="0"/>
-              </a:ext>
-            </a:extLst>
-          </a:blip>
-          <a:stretch>
-            <a:fillRect/>
-          </a:stretch>
-        </p:blipFill>
-        <p:spPr>
-          <a:xfrm>
-            <a:off x="432494" y="2162433"/>
-            <a:ext cx="3323959" cy="4336448"/>
-          </a:xfrm>
-        </p:spPr>
-      </p:pic>
-      <p:pic>
-        <p:nvPicPr>
-          <p:cNvPr id="5" name="Picture 4"/>
-          <p:cNvPicPr>
-            <a:picLocks noChangeAspect="1"/>
-          </p:cNvPicPr>
-          <p:nvPr/>
-        </p:nvPicPr>
-        <p:blipFill>
-          <a:blip r:embed="rId3">
-            <a:extLst>
-              <a:ext uri="{28A0092B-C50C-407E-A947-70E740481C1C}">
-                <a14:useLocalDpi xmlns:a14="http://schemas.microsoft.com/office/drawing/2010/main" val="0"/>
-              </a:ext>
-            </a:extLst>
-          </a:blip>
-          <a:stretch>
-            <a:fillRect/>
-          </a:stretch>
-        </p:blipFill>
-        <p:spPr>
-          <a:xfrm>
-            <a:off x="4277095" y="2162433"/>
-            <a:ext cx="3676859" cy="4336448"/>
-          </a:xfrm>
-          <a:prstGeom prst="rect">
-            <a:avLst/>
-          </a:prstGeom>
-        </p:spPr>
-      </p:pic>
-      <p:pic>
-        <p:nvPicPr>
-          <p:cNvPr id="6" name="Picture 5"/>
-          <p:cNvPicPr>
-            <a:picLocks noChangeAspect="1"/>
-          </p:cNvPicPr>
-          <p:nvPr/>
-        </p:nvPicPr>
-        <p:blipFill>
-          <a:blip r:embed="rId4">
-            <a:extLst>
-              <a:ext uri="{28A0092B-C50C-407E-A947-70E740481C1C}">
-                <a14:useLocalDpi xmlns:a14="http://schemas.microsoft.com/office/drawing/2010/main" val="0"/>
-              </a:ext>
-            </a:extLst>
-          </a:blip>
-          <a:stretch>
-            <a:fillRect/>
-          </a:stretch>
-        </p:blipFill>
-        <p:spPr>
-          <a:xfrm>
-            <a:off x="8313394" y="2162433"/>
-            <a:ext cx="3536736" cy="4336448"/>
-          </a:xfrm>
-          <a:prstGeom prst="rect">
-            <a:avLst/>
-          </a:prstGeom>
-        </p:spPr>
-      </p:pic>
+        </p:nvSpPr>
+        <p:spPr/>
+        <p:txBody>
+          <a:bodyPr/>
+          <a:lstStyle/>
+          <a:p>
+            <a:r>
+              <a:rPr lang="en-US" dirty="0" smtClean="0"/>
+              <a:t>Electoral Candidates</a:t>
+            </a:r>
+          </a:p>
+          <a:p>
+            <a:r>
+              <a:rPr lang="en-US" dirty="0" smtClean="0"/>
+              <a:t>Voters</a:t>
+            </a:r>
+          </a:p>
+          <a:p>
+            <a:r>
+              <a:rPr lang="en-US" dirty="0" smtClean="0"/>
+              <a:t>Philippines</a:t>
+            </a:r>
+            <a:endParaRPr lang="en-US" dirty="0"/>
+          </a:p>
+        </p:txBody>
+      </p:sp>
     </p:spTree>
-    <p:extLst>
-      <p:ext uri="{BB962C8B-B14F-4D97-AF65-F5344CB8AC3E}">
-        <p14:creationId xmlns:p14="http://schemas.microsoft.com/office/powerpoint/2010/main" val="882442902"/>
-      </p:ext>
-    </p:extLst>
   </p:cSld>
   <p:clrMapOvr>
     <a:masterClrMapping/>
@@ -6930,108 +7119,48 @@
           <a:lstStyle/>
           <a:p>
             <a:r>
-              <a:rPr lang="en-PH" dirty="0" smtClean="0"/>
-              <a:t>Use Case</a:t>
-            </a:r>
-            <a:endParaRPr lang="en-PH" dirty="0"/>
-          </a:p>
-        </p:txBody>
-      </p:sp>
-      <p:pic>
-        <p:nvPicPr>
-          <p:cNvPr id="6" name="Content Placeholder 5"/>
-          <p:cNvPicPr>
-            <a:picLocks noGrp="1" noChangeAspect="1"/>
-          </p:cNvPicPr>
+              <a:rPr lang="en-US" dirty="0" smtClean="0"/>
+              <a:t>Modules	</a:t>
+            </a:r>
+            <a:endParaRPr lang="en-US" dirty="0"/>
+          </a:p>
+        </p:txBody>
+      </p:sp>
+      <p:sp>
+        <p:nvSpPr>
+          <p:cNvPr id="3" name="Content Placeholder 2"/>
+          <p:cNvSpPr>
+            <a:spLocks noGrp="1"/>
+          </p:cNvSpPr>
           <p:nvPr>
             <p:ph idx="1"/>
           </p:nvPr>
-        </p:nvPicPr>
-        <p:blipFill>
-          <a:blip r:embed="rId2">
-            <a:extLst>
-              <a:ext uri="{28A0092B-C50C-407E-A947-70E740481C1C}">
-                <a14:useLocalDpi xmlns:a14="http://schemas.microsoft.com/office/drawing/2010/main" val="0"/>
-              </a:ext>
-            </a:extLst>
-          </a:blip>
-          <a:stretch>
-            <a:fillRect/>
-          </a:stretch>
-        </p:blipFill>
-        <p:spPr>
-          <a:xfrm>
-            <a:off x="1265925" y="2199503"/>
-            <a:ext cx="3314815" cy="4213654"/>
-          </a:xfrm>
-        </p:spPr>
-      </p:pic>
-      <p:pic>
-        <p:nvPicPr>
-          <p:cNvPr id="7" name="Picture 6"/>
-          <p:cNvPicPr>
-            <a:picLocks noChangeAspect="1"/>
-          </p:cNvPicPr>
-          <p:nvPr/>
-        </p:nvPicPr>
-        <p:blipFill>
-          <a:blip r:embed="rId3">
-            <a:extLst>
-              <a:ext uri="{28A0092B-C50C-407E-A947-70E740481C1C}">
-                <a14:useLocalDpi xmlns:a14="http://schemas.microsoft.com/office/drawing/2010/main" val="0"/>
-              </a:ext>
-            </a:extLst>
-          </a:blip>
-          <a:stretch>
-            <a:fillRect/>
-          </a:stretch>
-        </p:blipFill>
-        <p:spPr>
-          <a:xfrm>
-            <a:off x="4876884" y="2199503"/>
-            <a:ext cx="3059865" cy="4213654"/>
-          </a:xfrm>
-          <a:prstGeom prst="rect">
-            <a:avLst/>
-          </a:prstGeom>
-        </p:spPr>
-      </p:pic>
-      <p:pic>
-        <p:nvPicPr>
-          <p:cNvPr id="8" name="Picture 7"/>
-          <p:cNvPicPr>
-            <a:picLocks noChangeAspect="1"/>
-          </p:cNvPicPr>
-          <p:nvPr/>
-        </p:nvPicPr>
-        <p:blipFill>
-          <a:blip r:embed="rId4">
-            <a:extLst>
-              <a:ext uri="{28A0092B-C50C-407E-A947-70E740481C1C}">
-                <a14:useLocalDpi xmlns:a14="http://schemas.microsoft.com/office/drawing/2010/main" val="0"/>
-              </a:ext>
-            </a:extLst>
-          </a:blip>
-          <a:stretch>
-            <a:fillRect/>
-          </a:stretch>
-        </p:blipFill>
-        <p:spPr>
-          <a:xfrm>
-            <a:off x="8232893" y="2199503"/>
-            <a:ext cx="3357740" cy="4213654"/>
-          </a:xfrm>
-          <a:prstGeom prst="rect">
-            <a:avLst/>
-          </a:prstGeom>
-        </p:spPr>
-      </p:pic>
+        </p:nvSpPr>
+        <p:spPr/>
+        <p:txBody>
+          <a:bodyPr/>
+          <a:lstStyle/>
+          <a:p>
+            <a:r>
+              <a:rPr lang="en-US" dirty="0" smtClean="0"/>
+              <a:t>User Creation</a:t>
+            </a:r>
+          </a:p>
+          <a:p>
+            <a:r>
+              <a:rPr lang="en-US" dirty="0" smtClean="0"/>
+              <a:t>BEI/BOC profile registration</a:t>
+            </a:r>
+          </a:p>
+          <a:p>
+            <a:r>
+              <a:rPr lang="en-US" dirty="0" smtClean="0"/>
+              <a:t>Ticket and Case creation</a:t>
+            </a:r>
+          </a:p>
+        </p:txBody>
+      </p:sp>
     </p:spTree>
-    <p:extLst>
-      <p:ext uri="{BB962C8B-B14F-4D97-AF65-F5344CB8AC3E}">
-        <p14:creationId xmlns:p14="http://schemas.microsoft.com/office/powerpoint/2010/main" val="3794486309"/>
-      </p:ext>
-    </p:extLst>
   </p:cSld>
   <p:clrMapOvr>
     <a:masterClrMapping/>
@@ -7073,19 +7202,14 @@
             <p:ph type="title"/>
           </p:nvPr>
         </p:nvSpPr>
-        <p:spPr>
-          <a:xfrm>
-            <a:off x="1293811" y="0"/>
-            <a:ext cx="10018713" cy="1752599"/>
-          </a:xfrm>
-        </p:spPr>
+        <p:spPr/>
         <p:txBody>
           <a:bodyPr/>
           <a:lstStyle/>
           <a:p>
             <a:r>
               <a:rPr lang="en-PH" dirty="0" smtClean="0"/>
-              <a:t>ERD</a:t>
+              <a:t>Use Case</a:t>
             </a:r>
             <a:endParaRPr lang="en-PH" dirty="0"/>
           </a:p>
@@ -7105,7 +7229,7 @@
           <a:blip r:embed="rId2">
             <a:extLst>
               <a:ext uri="{28A0092B-C50C-407E-A947-70E740481C1C}">
-                <a14:useLocalDpi xmlns:a14="http://schemas.microsoft.com/office/drawing/2010/main" val="0"/>
+                <a14:useLocalDpi xmlns:a14="http://schemas.microsoft.com/office/drawing/2010/main" xmlns="" val="0"/>
               </a:ext>
             </a:extLst>
           </a:blip>
@@ -7115,15 +7239,45 @@
         </p:blipFill>
         <p:spPr>
           <a:xfrm>
-            <a:off x="1026316" y="1257298"/>
-            <a:ext cx="10553701" cy="5105401"/>
+            <a:off x="2623244" y="2114808"/>
+            <a:ext cx="3323959" cy="4336448"/>
           </a:xfrm>
+        </p:spPr>
+      </p:pic>
+      <p:pic>
+        <p:nvPicPr>
+          <p:cNvPr id="5" name="Picture 4"/>
+          <p:cNvPicPr>
+            <a:picLocks noChangeAspect="1"/>
+          </p:cNvPicPr>
+          <p:nvPr/>
+        </p:nvPicPr>
+        <p:blipFill>
+          <a:blip r:embed="rId3">
+            <a:extLst>
+              <a:ext uri="{28A0092B-C50C-407E-A947-70E740481C1C}">
+                <a14:useLocalDpi xmlns:a14="http://schemas.microsoft.com/office/drawing/2010/main" xmlns="" val="0"/>
+              </a:ext>
+            </a:extLst>
+          </a:blip>
+          <a:stretch>
+            <a:fillRect/>
+          </a:stretch>
+        </p:blipFill>
+        <p:spPr>
+          <a:xfrm>
+            <a:off x="6772645" y="2171958"/>
+            <a:ext cx="3676859" cy="4336448"/>
+          </a:xfrm>
+          <a:prstGeom prst="rect">
+            <a:avLst/>
+          </a:prstGeom>
         </p:spPr>
       </p:pic>
     </p:spTree>
     <p:extLst>
       <p:ext uri="{BB962C8B-B14F-4D97-AF65-F5344CB8AC3E}">
-        <p14:creationId xmlns:p14="http://schemas.microsoft.com/office/powerpoint/2010/main" val="3893075802"/>
+        <p14:creationId xmlns:p14="http://schemas.microsoft.com/office/powerpoint/2010/main" xmlns="" val="882442902"/>
       </p:ext>
     </p:extLst>
   </p:cSld>
@@ -7174,7 +7328,7 @@
           <a:p>
             <a:r>
               <a:rPr lang="en-PH" dirty="0" smtClean="0"/>
-              <a:t>Site map</a:t>
+              <a:t>Use Case</a:t>
             </a:r>
             <a:endParaRPr lang="en-PH" dirty="0"/>
           </a:p>
@@ -7182,7 +7336,7 @@
       </p:sp>
       <p:pic>
         <p:nvPicPr>
-          <p:cNvPr id="4" name="Content Placeholder 3"/>
+          <p:cNvPr id="6" name="Content Placeholder 5"/>
           <p:cNvPicPr>
             <a:picLocks noGrp="1" noChangeAspect="1"/>
           </p:cNvPicPr>
@@ -7194,7 +7348,7 @@
           <a:blip r:embed="rId2">
             <a:extLst>
               <a:ext uri="{28A0092B-C50C-407E-A947-70E740481C1C}">
-                <a14:useLocalDpi xmlns:a14="http://schemas.microsoft.com/office/drawing/2010/main" val="0"/>
+                <a14:useLocalDpi xmlns:a14="http://schemas.microsoft.com/office/drawing/2010/main" xmlns="" val="0"/>
               </a:ext>
             </a:extLst>
           </a:blip>
@@ -7204,15 +7358,75 @@
         </p:blipFill>
         <p:spPr>
           <a:xfrm>
-            <a:off x="514350" y="2038350"/>
-            <a:ext cx="11391899" cy="4610100"/>
+            <a:off x="1265925" y="2199503"/>
+            <a:ext cx="3314815" cy="4213654"/>
           </a:xfrm>
+        </p:spPr>
+      </p:pic>
+      <p:pic>
+        <p:nvPicPr>
+          <p:cNvPr id="7" name="Picture 6"/>
+          <p:cNvPicPr>
+            <a:picLocks noChangeAspect="1"/>
+          </p:cNvPicPr>
+          <p:nvPr/>
+        </p:nvPicPr>
+        <p:blipFill>
+          <a:blip r:embed="rId3">
+            <a:extLst>
+              <a:ext uri="{28A0092B-C50C-407E-A947-70E740481C1C}">
+                <a14:useLocalDpi xmlns:a14="http://schemas.microsoft.com/office/drawing/2010/main" xmlns="" val="0"/>
+              </a:ext>
+            </a:extLst>
+          </a:blip>
+          <a:stretch>
+            <a:fillRect/>
+          </a:stretch>
+        </p:blipFill>
+        <p:spPr>
+          <a:xfrm>
+            <a:off x="4876884" y="2199503"/>
+            <a:ext cx="3059865" cy="4213654"/>
+          </a:xfrm>
+          <a:prstGeom prst="rect">
+            <a:avLst/>
+          </a:prstGeom>
+        </p:spPr>
+      </p:pic>
+      <p:pic>
+        <p:nvPicPr>
+          <p:cNvPr id="8" name="Picture 7"/>
+          <p:cNvPicPr>
+            <a:picLocks noChangeAspect="1"/>
+          </p:cNvPicPr>
+          <p:nvPr/>
+        </p:nvPicPr>
+        <p:blipFill>
+          <a:blip r:embed="rId4">
+            <a:extLst>
+              <a:ext uri="{28A0092B-C50C-407E-A947-70E740481C1C}">
+                <a14:useLocalDpi xmlns:a14="http://schemas.microsoft.com/office/drawing/2010/main" xmlns="" val="0"/>
+              </a:ext>
+            </a:extLst>
+          </a:blip>
+          <a:stretch>
+            <a:fillRect/>
+          </a:stretch>
+        </p:blipFill>
+        <p:spPr>
+          <a:xfrm>
+            <a:off x="8232893" y="2199503"/>
+            <a:ext cx="3357740" cy="4213654"/>
+          </a:xfrm>
+          <a:prstGeom prst="rect">
+            <a:avLst/>
+          </a:prstGeom>
         </p:spPr>
       </p:pic>
     </p:spTree>
     <p:extLst>
       <p:ext uri="{BB962C8B-B14F-4D97-AF65-F5344CB8AC3E}">
-        <p14:creationId xmlns:p14="http://schemas.microsoft.com/office/powerpoint/2010/main" val="681549809"/>
+        <p14:creationId xmlns:p14="http://schemas.microsoft.com/office/powerpoint/2010/main" xmlns="" val="3794486309"/>
       </p:ext>
     </p:extLst>
   </p:cSld>
@@ -7272,7 +7486,7 @@
     </a:clrScheme>
     <a:fontScheme name="Parallax">
       <a:majorFont>
-        <a:latin typeface="Corbel" panose="020B0503020204020204"/>
+        <a:latin typeface="Corbel"/>
         <a:ea typeface=""/>
         <a:cs typeface=""/>
         <a:font script="Jpan" typeface="HGｺﾞｼｯｸM"/>
@@ -7307,7 +7521,7 @@
         <a:font script="Geor" typeface="Sylfaen"/>
       </a:majorFont>
       <a:minorFont>
-        <a:latin typeface="Corbel" panose="020B0503020204020204"/>
+        <a:latin typeface="Corbel"/>
         <a:ea typeface=""/>
         <a:cs typeface=""/>
         <a:font script="Jpan" typeface="HGｺﾞｼｯｸM"/>
@@ -7479,7 +7693,7 @@
   <a:extraClrSchemeLst/>
   <a:extLst>
     <a:ext uri="{05A4C25C-085E-4340-85A3-A5531E510DB2}">
-      <thm15:themeFamily xmlns:thm15="http://schemas.microsoft.com/office/thememl/2012/main" name="Parallax" id="{3388167B-A2EB-4685-9635-1831D9AEF8C4}" vid="{4F7A876A-7598-49CA-AFC8-8EDA2551E4A7}"/>
+      <thm15:themeFamily xmlns:thm15="http://schemas.microsoft.com/office/thememl/2012/main" xmlns="" name="Parallax" id="{3388167B-A2EB-4685-9635-1831D9AEF8C4}" vid="{4F7A876A-7598-49CA-AFC8-8EDA2551E4A7}"/>
     </a:ext>
   </a:extLst>
 </a:theme>
